--- a/2022년 4월 9일 도면해석자동화.pptx
+++ b/2022년 4월 9일 도면해석자동화.pptx
@@ -146,7 +146,7 @@
   </p:defaultTextStyle>
   <p:extLst>
     <p:ext uri="{EFAFB233-063F-42B5-8137-9DF3F51BA10A}">
-      <p15:sldGuideLst xmlns:p15="http://schemas.microsoft.com/office/powerpoint/2012/main" xmlns="">
+      <p15:sldGuideLst xmlns="" xmlns:p15="http://schemas.microsoft.com/office/powerpoint/2012/main">
         <p15:guide id="1" orient="horz" pos="2183">
           <p15:clr>
             <a:srgbClr val="A4A3A4"/>
@@ -193,7 +193,7 @@
           <p:cNvPr id="2" name="머리글 개체 틀 1">
             <a:extLst>
               <a:ext uri="{FF2B5EF4-FFF2-40B4-BE49-F238E27FC236}">
-                <a16:creationId xmlns:a16="http://schemas.microsoft.com/office/drawing/2014/main" xmlns="" id="{287CA362-7CB5-4FDE-8422-6D501F2B929E}"/>
+                <a16:creationId xmlns="" xmlns:a16="http://schemas.microsoft.com/office/drawing/2014/main" id="{287CA362-7CB5-4FDE-8422-6D501F2B929E}"/>
               </a:ext>
             </a:extLst>
           </p:cNvPr>
@@ -243,7 +243,7 @@
           <p:cNvPr id="3" name="날짜 개체 틀 2">
             <a:extLst>
               <a:ext uri="{FF2B5EF4-FFF2-40B4-BE49-F238E27FC236}">
-                <a16:creationId xmlns:a16="http://schemas.microsoft.com/office/drawing/2014/main" xmlns="" id="{E322444C-B2A3-49D2-A8CC-34A2926BB152}"/>
+                <a16:creationId xmlns="" xmlns:a16="http://schemas.microsoft.com/office/drawing/2014/main" id="{E322444C-B2A3-49D2-A8CC-34A2926BB152}"/>
               </a:ext>
             </a:extLst>
           </p:cNvPr>
@@ -300,7 +300,7 @@
           <p:cNvPr id="4" name="슬라이드 이미지 개체 틀 3">
             <a:extLst>
               <a:ext uri="{FF2B5EF4-FFF2-40B4-BE49-F238E27FC236}">
-                <a16:creationId xmlns:a16="http://schemas.microsoft.com/office/drawing/2014/main" xmlns="" id="{EF5D7D69-CCA7-4FFD-AACE-006591B7A1CD}"/>
+                <a16:creationId xmlns="" xmlns:a16="http://schemas.microsoft.com/office/drawing/2014/main" id="{EF5D7D69-CCA7-4FFD-AACE-006591B7A1CD}"/>
               </a:ext>
             </a:extLst>
           </p:cNvPr>
@@ -340,7 +340,7 @@
           <p:cNvPr id="5" name="슬라이드 노트 개체 틀 4">
             <a:extLst>
               <a:ext uri="{FF2B5EF4-FFF2-40B4-BE49-F238E27FC236}">
-                <a16:creationId xmlns:a16="http://schemas.microsoft.com/office/drawing/2014/main" xmlns="" id="{2E2B224A-7249-4FD1-9BF3-4A1E1A7AE69C}"/>
+                <a16:creationId xmlns="" xmlns:a16="http://schemas.microsoft.com/office/drawing/2014/main" id="{2E2B224A-7249-4FD1-9BF3-4A1E1A7AE69C}"/>
               </a:ext>
             </a:extLst>
           </p:cNvPr>
@@ -407,7 +407,7 @@
           <p:cNvPr id="6" name="바닥글 개체 틀 5">
             <a:extLst>
               <a:ext uri="{FF2B5EF4-FFF2-40B4-BE49-F238E27FC236}">
-                <a16:creationId xmlns:a16="http://schemas.microsoft.com/office/drawing/2014/main" xmlns="" id="{EF776ED5-775B-445F-9261-AD8BC6D995BE}"/>
+                <a16:creationId xmlns="" xmlns:a16="http://schemas.microsoft.com/office/drawing/2014/main" id="{EF776ED5-775B-445F-9261-AD8BC6D995BE}"/>
               </a:ext>
             </a:extLst>
           </p:cNvPr>
@@ -457,7 +457,7 @@
           <p:cNvPr id="7" name="슬라이드 번호 개체 틀 6">
             <a:extLst>
               <a:ext uri="{FF2B5EF4-FFF2-40B4-BE49-F238E27FC236}">
-                <a16:creationId xmlns:a16="http://schemas.microsoft.com/office/drawing/2014/main" xmlns="" id="{BC38B30F-022E-41AE-9A8D-B483784FA018}"/>
+                <a16:creationId xmlns="" xmlns:a16="http://schemas.microsoft.com/office/drawing/2014/main" id="{BC38B30F-022E-41AE-9A8D-B483784FA018}"/>
               </a:ext>
             </a:extLst>
           </p:cNvPr>
@@ -746,7 +746,7 @@
           <p:cNvPr id="4" name="날짜 개체 틀 3">
             <a:extLst>
               <a:ext uri="{FF2B5EF4-FFF2-40B4-BE49-F238E27FC236}">
-                <a16:creationId xmlns:a16="http://schemas.microsoft.com/office/drawing/2014/main" xmlns="" id="{9F494846-E0BE-42D2-AA61-8BACA907F86B}"/>
+                <a16:creationId xmlns="" xmlns:a16="http://schemas.microsoft.com/office/drawing/2014/main" id="{9F494846-E0BE-42D2-AA61-8BACA907F86B}"/>
               </a:ext>
             </a:extLst>
           </p:cNvPr>
@@ -785,7 +785,7 @@
           <p:cNvPr id="5" name="바닥글 개체 틀 4">
             <a:extLst>
               <a:ext uri="{FF2B5EF4-FFF2-40B4-BE49-F238E27FC236}">
-                <a16:creationId xmlns:a16="http://schemas.microsoft.com/office/drawing/2014/main" xmlns="" id="{01CF1C6F-DBD0-41CC-9579-2E79CEDFFD39}"/>
+                <a16:creationId xmlns="" xmlns:a16="http://schemas.microsoft.com/office/drawing/2014/main" id="{01CF1C6F-DBD0-41CC-9579-2E79CEDFFD39}"/>
               </a:ext>
             </a:extLst>
           </p:cNvPr>
@@ -817,7 +817,7 @@
           <p:cNvPr id="6" name="슬라이드 번호 개체 틀 5">
             <a:extLst>
               <a:ext uri="{FF2B5EF4-FFF2-40B4-BE49-F238E27FC236}">
-                <a16:creationId xmlns:a16="http://schemas.microsoft.com/office/drawing/2014/main" xmlns="" id="{003E4ED8-FEA8-41FB-AD0C-70A62874B05A}"/>
+                <a16:creationId xmlns="" xmlns:a16="http://schemas.microsoft.com/office/drawing/2014/main" id="{003E4ED8-FEA8-41FB-AD0C-70A62874B05A}"/>
               </a:ext>
             </a:extLst>
           </p:cNvPr>
@@ -849,7 +849,7 @@
     </p:spTree>
     <p:extLst>
       <p:ext uri="{BB962C8B-B14F-4D97-AF65-F5344CB8AC3E}">
-        <p14:creationId xmlns:p14="http://schemas.microsoft.com/office/powerpoint/2010/main" xmlns="" val="1892420423"/>
+        <p14:creationId xmlns="" xmlns:p14="http://schemas.microsoft.com/office/powerpoint/2010/main" val="1892420423"/>
       </p:ext>
     </p:extLst>
   </p:cSld>
@@ -954,7 +954,7 @@
           <p:cNvPr id="4" name="날짜 개체 틀 3">
             <a:extLst>
               <a:ext uri="{FF2B5EF4-FFF2-40B4-BE49-F238E27FC236}">
-                <a16:creationId xmlns:a16="http://schemas.microsoft.com/office/drawing/2014/main" xmlns="" id="{66E6D84F-CF3D-46FA-8A04-A1A056CDB643}"/>
+                <a16:creationId xmlns="" xmlns:a16="http://schemas.microsoft.com/office/drawing/2014/main" id="{66E6D84F-CF3D-46FA-8A04-A1A056CDB643}"/>
               </a:ext>
             </a:extLst>
           </p:cNvPr>
@@ -993,7 +993,7 @@
           <p:cNvPr id="5" name="바닥글 개체 틀 4">
             <a:extLst>
               <a:ext uri="{FF2B5EF4-FFF2-40B4-BE49-F238E27FC236}">
-                <a16:creationId xmlns:a16="http://schemas.microsoft.com/office/drawing/2014/main" xmlns="" id="{3B5FD9F3-507C-4B83-A2C9-30FD3555E3DE}"/>
+                <a16:creationId xmlns="" xmlns:a16="http://schemas.microsoft.com/office/drawing/2014/main" id="{3B5FD9F3-507C-4B83-A2C9-30FD3555E3DE}"/>
               </a:ext>
             </a:extLst>
           </p:cNvPr>
@@ -1025,7 +1025,7 @@
           <p:cNvPr id="6" name="슬라이드 번호 개체 틀 5">
             <a:extLst>
               <a:ext uri="{FF2B5EF4-FFF2-40B4-BE49-F238E27FC236}">
-                <a16:creationId xmlns:a16="http://schemas.microsoft.com/office/drawing/2014/main" xmlns="" id="{CC55443C-3B7D-4C87-B3CD-99987BB4F737}"/>
+                <a16:creationId xmlns="" xmlns:a16="http://schemas.microsoft.com/office/drawing/2014/main" id="{CC55443C-3B7D-4C87-B3CD-99987BB4F737}"/>
               </a:ext>
             </a:extLst>
           </p:cNvPr>
@@ -1057,7 +1057,7 @@
     </p:spTree>
     <p:extLst>
       <p:ext uri="{BB962C8B-B14F-4D97-AF65-F5344CB8AC3E}">
-        <p14:creationId xmlns:p14="http://schemas.microsoft.com/office/powerpoint/2010/main" xmlns="" val="3505371636"/>
+        <p14:creationId xmlns="" xmlns:p14="http://schemas.microsoft.com/office/powerpoint/2010/main" val="3505371636"/>
       </p:ext>
     </p:extLst>
   </p:cSld>
@@ -1172,7 +1172,7 @@
           <p:cNvPr id="4" name="날짜 개체 틀 3">
             <a:extLst>
               <a:ext uri="{FF2B5EF4-FFF2-40B4-BE49-F238E27FC236}">
-                <a16:creationId xmlns:a16="http://schemas.microsoft.com/office/drawing/2014/main" xmlns="" id="{D2736743-6D1D-439C-9A37-D9E3AA302BA0}"/>
+                <a16:creationId xmlns="" xmlns:a16="http://schemas.microsoft.com/office/drawing/2014/main" id="{D2736743-6D1D-439C-9A37-D9E3AA302BA0}"/>
               </a:ext>
             </a:extLst>
           </p:cNvPr>
@@ -1211,7 +1211,7 @@
           <p:cNvPr id="5" name="바닥글 개체 틀 4">
             <a:extLst>
               <a:ext uri="{FF2B5EF4-FFF2-40B4-BE49-F238E27FC236}">
-                <a16:creationId xmlns:a16="http://schemas.microsoft.com/office/drawing/2014/main" xmlns="" id="{4A2AAF65-2B52-4C43-A4CB-5E8B42F99D9F}"/>
+                <a16:creationId xmlns="" xmlns:a16="http://schemas.microsoft.com/office/drawing/2014/main" id="{4A2AAF65-2B52-4C43-A4CB-5E8B42F99D9F}"/>
               </a:ext>
             </a:extLst>
           </p:cNvPr>
@@ -1243,7 +1243,7 @@
           <p:cNvPr id="6" name="슬라이드 번호 개체 틀 5">
             <a:extLst>
               <a:ext uri="{FF2B5EF4-FFF2-40B4-BE49-F238E27FC236}">
-                <a16:creationId xmlns:a16="http://schemas.microsoft.com/office/drawing/2014/main" xmlns="" id="{9E6FAE4F-0D0C-4AD0-8A4D-518AD523D38A}"/>
+                <a16:creationId xmlns="" xmlns:a16="http://schemas.microsoft.com/office/drawing/2014/main" id="{9E6FAE4F-0D0C-4AD0-8A4D-518AD523D38A}"/>
               </a:ext>
             </a:extLst>
           </p:cNvPr>
@@ -1275,7 +1275,7 @@
     </p:spTree>
     <p:extLst>
       <p:ext uri="{BB962C8B-B14F-4D97-AF65-F5344CB8AC3E}">
-        <p14:creationId xmlns:p14="http://schemas.microsoft.com/office/powerpoint/2010/main" xmlns="" val="2281595228"/>
+        <p14:creationId xmlns="" xmlns:p14="http://schemas.microsoft.com/office/powerpoint/2010/main" val="2281595228"/>
       </p:ext>
     </p:extLst>
   </p:cSld>
@@ -1380,7 +1380,7 @@
           <p:cNvPr id="4" name="날짜 개체 틀 3">
             <a:extLst>
               <a:ext uri="{FF2B5EF4-FFF2-40B4-BE49-F238E27FC236}">
-                <a16:creationId xmlns:a16="http://schemas.microsoft.com/office/drawing/2014/main" xmlns="" id="{C5B928DF-42C1-47B2-9D74-37A1DA6611B9}"/>
+                <a16:creationId xmlns="" xmlns:a16="http://schemas.microsoft.com/office/drawing/2014/main" id="{C5B928DF-42C1-47B2-9D74-37A1DA6611B9}"/>
               </a:ext>
             </a:extLst>
           </p:cNvPr>
@@ -1419,7 +1419,7 @@
           <p:cNvPr id="5" name="바닥글 개체 틀 4">
             <a:extLst>
               <a:ext uri="{FF2B5EF4-FFF2-40B4-BE49-F238E27FC236}">
-                <a16:creationId xmlns:a16="http://schemas.microsoft.com/office/drawing/2014/main" xmlns="" id="{3C85F852-A228-414A-8E30-6BC0DD46A85E}"/>
+                <a16:creationId xmlns="" xmlns:a16="http://schemas.microsoft.com/office/drawing/2014/main" id="{3C85F852-A228-414A-8E30-6BC0DD46A85E}"/>
               </a:ext>
             </a:extLst>
           </p:cNvPr>
@@ -1451,7 +1451,7 @@
           <p:cNvPr id="6" name="슬라이드 번호 개체 틀 5">
             <a:extLst>
               <a:ext uri="{FF2B5EF4-FFF2-40B4-BE49-F238E27FC236}">
-                <a16:creationId xmlns:a16="http://schemas.microsoft.com/office/drawing/2014/main" xmlns="" id="{456831BB-710C-4864-A4DD-D6C55C57E363}"/>
+                <a16:creationId xmlns="" xmlns:a16="http://schemas.microsoft.com/office/drawing/2014/main" id="{456831BB-710C-4864-A4DD-D6C55C57E363}"/>
               </a:ext>
             </a:extLst>
           </p:cNvPr>
@@ -1483,7 +1483,7 @@
     </p:spTree>
     <p:extLst>
       <p:ext uri="{BB962C8B-B14F-4D97-AF65-F5344CB8AC3E}">
-        <p14:creationId xmlns:p14="http://schemas.microsoft.com/office/powerpoint/2010/main" xmlns="" val="693262873"/>
+        <p14:creationId xmlns="" xmlns:p14="http://schemas.microsoft.com/office/powerpoint/2010/main" val="693262873"/>
       </p:ext>
     </p:extLst>
   </p:cSld>
@@ -1665,7 +1665,7 @@
           <p:cNvPr id="4" name="날짜 개체 틀 3">
             <a:extLst>
               <a:ext uri="{FF2B5EF4-FFF2-40B4-BE49-F238E27FC236}">
-                <a16:creationId xmlns:a16="http://schemas.microsoft.com/office/drawing/2014/main" xmlns="" id="{6073A85F-300B-41DD-807F-27AE538E963D}"/>
+                <a16:creationId xmlns="" xmlns:a16="http://schemas.microsoft.com/office/drawing/2014/main" id="{6073A85F-300B-41DD-807F-27AE538E963D}"/>
               </a:ext>
             </a:extLst>
           </p:cNvPr>
@@ -1704,7 +1704,7 @@
           <p:cNvPr id="5" name="바닥글 개체 틀 4">
             <a:extLst>
               <a:ext uri="{FF2B5EF4-FFF2-40B4-BE49-F238E27FC236}">
-                <a16:creationId xmlns:a16="http://schemas.microsoft.com/office/drawing/2014/main" xmlns="" id="{ABF912A7-CF3A-4D13-A365-5E135194612B}"/>
+                <a16:creationId xmlns="" xmlns:a16="http://schemas.microsoft.com/office/drawing/2014/main" id="{ABF912A7-CF3A-4D13-A365-5E135194612B}"/>
               </a:ext>
             </a:extLst>
           </p:cNvPr>
@@ -1736,7 +1736,7 @@
           <p:cNvPr id="6" name="슬라이드 번호 개체 틀 5">
             <a:extLst>
               <a:ext uri="{FF2B5EF4-FFF2-40B4-BE49-F238E27FC236}">
-                <a16:creationId xmlns:a16="http://schemas.microsoft.com/office/drawing/2014/main" xmlns="" id="{B0BE4FB5-AB83-422D-BA97-C6F58CAB6044}"/>
+                <a16:creationId xmlns="" xmlns:a16="http://schemas.microsoft.com/office/drawing/2014/main" id="{B0BE4FB5-AB83-422D-BA97-C6F58CAB6044}"/>
               </a:ext>
             </a:extLst>
           </p:cNvPr>
@@ -1768,7 +1768,7 @@
     </p:spTree>
     <p:extLst>
       <p:ext uri="{BB962C8B-B14F-4D97-AF65-F5344CB8AC3E}">
-        <p14:creationId xmlns:p14="http://schemas.microsoft.com/office/powerpoint/2010/main" xmlns="" val="2760546698"/>
+        <p14:creationId xmlns="" xmlns:p14="http://schemas.microsoft.com/office/powerpoint/2010/main" val="2760546698"/>
       </p:ext>
     </p:extLst>
   </p:cSld>
@@ -1934,7 +1934,7 @@
           <p:cNvPr id="5" name="날짜 개체 틀 3">
             <a:extLst>
               <a:ext uri="{FF2B5EF4-FFF2-40B4-BE49-F238E27FC236}">
-                <a16:creationId xmlns:a16="http://schemas.microsoft.com/office/drawing/2014/main" xmlns="" id="{DEFE0DA4-61F1-407C-A787-87C101A4ABCA}"/>
+                <a16:creationId xmlns="" xmlns:a16="http://schemas.microsoft.com/office/drawing/2014/main" id="{DEFE0DA4-61F1-407C-A787-87C101A4ABCA}"/>
               </a:ext>
             </a:extLst>
           </p:cNvPr>
@@ -1973,7 +1973,7 @@
           <p:cNvPr id="6" name="바닥글 개체 틀 4">
             <a:extLst>
               <a:ext uri="{FF2B5EF4-FFF2-40B4-BE49-F238E27FC236}">
-                <a16:creationId xmlns:a16="http://schemas.microsoft.com/office/drawing/2014/main" xmlns="" id="{09E0EA02-15E7-412F-857B-07484AEB2D8A}"/>
+                <a16:creationId xmlns="" xmlns:a16="http://schemas.microsoft.com/office/drawing/2014/main" id="{09E0EA02-15E7-412F-857B-07484AEB2D8A}"/>
               </a:ext>
             </a:extLst>
           </p:cNvPr>
@@ -2005,7 +2005,7 @@
           <p:cNvPr id="7" name="슬라이드 번호 개체 틀 5">
             <a:extLst>
               <a:ext uri="{FF2B5EF4-FFF2-40B4-BE49-F238E27FC236}">
-                <a16:creationId xmlns:a16="http://schemas.microsoft.com/office/drawing/2014/main" xmlns="" id="{C5FB5F6D-1EB6-41CB-97FE-37E73A28E03A}"/>
+                <a16:creationId xmlns="" xmlns:a16="http://schemas.microsoft.com/office/drawing/2014/main" id="{C5FB5F6D-1EB6-41CB-97FE-37E73A28E03A}"/>
               </a:ext>
             </a:extLst>
           </p:cNvPr>
@@ -2037,7 +2037,7 @@
     </p:spTree>
     <p:extLst>
       <p:ext uri="{BB962C8B-B14F-4D97-AF65-F5344CB8AC3E}">
-        <p14:creationId xmlns:p14="http://schemas.microsoft.com/office/powerpoint/2010/main" xmlns="" val="4218192675"/>
+        <p14:creationId xmlns="" xmlns:p14="http://schemas.microsoft.com/office/powerpoint/2010/main" val="4218192675"/>
       </p:ext>
     </p:extLst>
   </p:cSld>
@@ -2338,7 +2338,7 @@
           <p:cNvPr id="7" name="날짜 개체 틀 3">
             <a:extLst>
               <a:ext uri="{FF2B5EF4-FFF2-40B4-BE49-F238E27FC236}">
-                <a16:creationId xmlns:a16="http://schemas.microsoft.com/office/drawing/2014/main" xmlns="" id="{E4C5E0DF-D71E-41D5-B862-110DB52AB855}"/>
+                <a16:creationId xmlns="" xmlns:a16="http://schemas.microsoft.com/office/drawing/2014/main" id="{E4C5E0DF-D71E-41D5-B862-110DB52AB855}"/>
               </a:ext>
             </a:extLst>
           </p:cNvPr>
@@ -2377,7 +2377,7 @@
           <p:cNvPr id="8" name="바닥글 개체 틀 4">
             <a:extLst>
               <a:ext uri="{FF2B5EF4-FFF2-40B4-BE49-F238E27FC236}">
-                <a16:creationId xmlns:a16="http://schemas.microsoft.com/office/drawing/2014/main" xmlns="" id="{CFE0BC01-F369-42EE-A7B3-23EA6E26A4E4}"/>
+                <a16:creationId xmlns="" xmlns:a16="http://schemas.microsoft.com/office/drawing/2014/main" id="{CFE0BC01-F369-42EE-A7B3-23EA6E26A4E4}"/>
               </a:ext>
             </a:extLst>
           </p:cNvPr>
@@ -2409,7 +2409,7 @@
           <p:cNvPr id="9" name="슬라이드 번호 개체 틀 5">
             <a:extLst>
               <a:ext uri="{FF2B5EF4-FFF2-40B4-BE49-F238E27FC236}">
-                <a16:creationId xmlns:a16="http://schemas.microsoft.com/office/drawing/2014/main" xmlns="" id="{CA5BE72A-49DD-4E28-89D2-CD2E20CA4820}"/>
+                <a16:creationId xmlns="" xmlns:a16="http://schemas.microsoft.com/office/drawing/2014/main" id="{CA5BE72A-49DD-4E28-89D2-CD2E20CA4820}"/>
               </a:ext>
             </a:extLst>
           </p:cNvPr>
@@ -2441,7 +2441,7 @@
     </p:spTree>
     <p:extLst>
       <p:ext uri="{BB962C8B-B14F-4D97-AF65-F5344CB8AC3E}">
-        <p14:creationId xmlns:p14="http://schemas.microsoft.com/office/powerpoint/2010/main" xmlns="" val="287015798"/>
+        <p14:creationId xmlns="" xmlns:p14="http://schemas.microsoft.com/office/powerpoint/2010/main" val="287015798"/>
       </p:ext>
     </p:extLst>
   </p:cSld>
@@ -2495,7 +2495,7 @@
           <p:cNvPr id="3" name="날짜 개체 틀 3">
             <a:extLst>
               <a:ext uri="{FF2B5EF4-FFF2-40B4-BE49-F238E27FC236}">
-                <a16:creationId xmlns:a16="http://schemas.microsoft.com/office/drawing/2014/main" xmlns="" id="{3D347FC1-525B-4394-8C8A-51D6A24E140F}"/>
+                <a16:creationId xmlns="" xmlns:a16="http://schemas.microsoft.com/office/drawing/2014/main" id="{3D347FC1-525B-4394-8C8A-51D6A24E140F}"/>
               </a:ext>
             </a:extLst>
           </p:cNvPr>
@@ -2534,7 +2534,7 @@
           <p:cNvPr id="4" name="바닥글 개체 틀 4">
             <a:extLst>
               <a:ext uri="{FF2B5EF4-FFF2-40B4-BE49-F238E27FC236}">
-                <a16:creationId xmlns:a16="http://schemas.microsoft.com/office/drawing/2014/main" xmlns="" id="{E31EC720-F8B5-47BD-AF29-309ACC934F84}"/>
+                <a16:creationId xmlns="" xmlns:a16="http://schemas.microsoft.com/office/drawing/2014/main" id="{E31EC720-F8B5-47BD-AF29-309ACC934F84}"/>
               </a:ext>
             </a:extLst>
           </p:cNvPr>
@@ -2566,7 +2566,7 @@
           <p:cNvPr id="5" name="슬라이드 번호 개체 틀 5">
             <a:extLst>
               <a:ext uri="{FF2B5EF4-FFF2-40B4-BE49-F238E27FC236}">
-                <a16:creationId xmlns:a16="http://schemas.microsoft.com/office/drawing/2014/main" xmlns="" id="{4FED9235-C041-41FE-A4E5-0AA073872789}"/>
+                <a16:creationId xmlns="" xmlns:a16="http://schemas.microsoft.com/office/drawing/2014/main" id="{4FED9235-C041-41FE-A4E5-0AA073872789}"/>
               </a:ext>
             </a:extLst>
           </p:cNvPr>
@@ -2598,7 +2598,7 @@
     </p:spTree>
     <p:extLst>
       <p:ext uri="{BB962C8B-B14F-4D97-AF65-F5344CB8AC3E}">
-        <p14:creationId xmlns:p14="http://schemas.microsoft.com/office/powerpoint/2010/main" xmlns="" val="2549040720"/>
+        <p14:creationId xmlns="" xmlns:p14="http://schemas.microsoft.com/office/powerpoint/2010/main" val="2549040720"/>
       </p:ext>
     </p:extLst>
   </p:cSld>
@@ -2630,7 +2630,7 @@
           <p:cNvPr id="2" name="날짜 개체 틀 3">
             <a:extLst>
               <a:ext uri="{FF2B5EF4-FFF2-40B4-BE49-F238E27FC236}">
-                <a16:creationId xmlns:a16="http://schemas.microsoft.com/office/drawing/2014/main" xmlns="" id="{D8032D5F-913A-48A1-8EAD-124BF7350DDB}"/>
+                <a16:creationId xmlns="" xmlns:a16="http://schemas.microsoft.com/office/drawing/2014/main" id="{D8032D5F-913A-48A1-8EAD-124BF7350DDB}"/>
               </a:ext>
             </a:extLst>
           </p:cNvPr>
@@ -2669,7 +2669,7 @@
           <p:cNvPr id="3" name="바닥글 개체 틀 4">
             <a:extLst>
               <a:ext uri="{FF2B5EF4-FFF2-40B4-BE49-F238E27FC236}">
-                <a16:creationId xmlns:a16="http://schemas.microsoft.com/office/drawing/2014/main" xmlns="" id="{818700F2-4E9C-4381-8121-137154EB083D}"/>
+                <a16:creationId xmlns="" xmlns:a16="http://schemas.microsoft.com/office/drawing/2014/main" id="{818700F2-4E9C-4381-8121-137154EB083D}"/>
               </a:ext>
             </a:extLst>
           </p:cNvPr>
@@ -2701,7 +2701,7 @@
           <p:cNvPr id="4" name="슬라이드 번호 개체 틀 5">
             <a:extLst>
               <a:ext uri="{FF2B5EF4-FFF2-40B4-BE49-F238E27FC236}">
-                <a16:creationId xmlns:a16="http://schemas.microsoft.com/office/drawing/2014/main" xmlns="" id="{969C678D-2A41-4446-901E-B4585428A3B4}"/>
+                <a16:creationId xmlns="" xmlns:a16="http://schemas.microsoft.com/office/drawing/2014/main" id="{969C678D-2A41-4446-901E-B4585428A3B4}"/>
               </a:ext>
             </a:extLst>
           </p:cNvPr>
@@ -2733,7 +2733,7 @@
     </p:spTree>
     <p:extLst>
       <p:ext uri="{BB962C8B-B14F-4D97-AF65-F5344CB8AC3E}">
-        <p14:creationId xmlns:p14="http://schemas.microsoft.com/office/powerpoint/2010/main" xmlns="" val="3859003089"/>
+        <p14:creationId xmlns="" xmlns:p14="http://schemas.microsoft.com/office/powerpoint/2010/main" val="3859003089"/>
       </p:ext>
     </p:extLst>
   </p:cSld>
@@ -2945,7 +2945,7 @@
           <p:cNvPr id="5" name="날짜 개체 틀 3">
             <a:extLst>
               <a:ext uri="{FF2B5EF4-FFF2-40B4-BE49-F238E27FC236}">
-                <a16:creationId xmlns:a16="http://schemas.microsoft.com/office/drawing/2014/main" xmlns="" id="{BE29183E-884A-4E6B-AA3A-82778A1F7460}"/>
+                <a16:creationId xmlns="" xmlns:a16="http://schemas.microsoft.com/office/drawing/2014/main" id="{BE29183E-884A-4E6B-AA3A-82778A1F7460}"/>
               </a:ext>
             </a:extLst>
           </p:cNvPr>
@@ -2984,7 +2984,7 @@
           <p:cNvPr id="6" name="바닥글 개체 틀 4">
             <a:extLst>
               <a:ext uri="{FF2B5EF4-FFF2-40B4-BE49-F238E27FC236}">
-                <a16:creationId xmlns:a16="http://schemas.microsoft.com/office/drawing/2014/main" xmlns="" id="{EF7F8288-F375-457D-B553-DCFFCB7A2D70}"/>
+                <a16:creationId xmlns="" xmlns:a16="http://schemas.microsoft.com/office/drawing/2014/main" id="{EF7F8288-F375-457D-B553-DCFFCB7A2D70}"/>
               </a:ext>
             </a:extLst>
           </p:cNvPr>
@@ -3016,7 +3016,7 @@
           <p:cNvPr id="7" name="슬라이드 번호 개체 틀 5">
             <a:extLst>
               <a:ext uri="{FF2B5EF4-FFF2-40B4-BE49-F238E27FC236}">
-                <a16:creationId xmlns:a16="http://schemas.microsoft.com/office/drawing/2014/main" xmlns="" id="{533C4906-0099-48A6-9904-0658DA7A67F1}"/>
+                <a16:creationId xmlns="" xmlns:a16="http://schemas.microsoft.com/office/drawing/2014/main" id="{533C4906-0099-48A6-9904-0658DA7A67F1}"/>
               </a:ext>
             </a:extLst>
           </p:cNvPr>
@@ -3048,7 +3048,7 @@
     </p:spTree>
     <p:extLst>
       <p:ext uri="{BB962C8B-B14F-4D97-AF65-F5344CB8AC3E}">
-        <p14:creationId xmlns:p14="http://schemas.microsoft.com/office/powerpoint/2010/main" xmlns="" val="1950716070"/>
+        <p14:creationId xmlns="" xmlns:p14="http://schemas.microsoft.com/office/powerpoint/2010/main" val="1950716070"/>
       </p:ext>
     </p:extLst>
   </p:cSld>
@@ -3240,7 +3240,7 @@
           <p:cNvPr id="5" name="날짜 개체 틀 3">
             <a:extLst>
               <a:ext uri="{FF2B5EF4-FFF2-40B4-BE49-F238E27FC236}">
-                <a16:creationId xmlns:a16="http://schemas.microsoft.com/office/drawing/2014/main" xmlns="" id="{DBEDD371-99CF-47FD-9FC6-AD0CE2E0D464}"/>
+                <a16:creationId xmlns="" xmlns:a16="http://schemas.microsoft.com/office/drawing/2014/main" id="{DBEDD371-99CF-47FD-9FC6-AD0CE2E0D464}"/>
               </a:ext>
             </a:extLst>
           </p:cNvPr>
@@ -3279,7 +3279,7 @@
           <p:cNvPr id="6" name="바닥글 개체 틀 4">
             <a:extLst>
               <a:ext uri="{FF2B5EF4-FFF2-40B4-BE49-F238E27FC236}">
-                <a16:creationId xmlns:a16="http://schemas.microsoft.com/office/drawing/2014/main" xmlns="" id="{0EC94D19-2FB9-4E0F-9427-97784133BAC1}"/>
+                <a16:creationId xmlns="" xmlns:a16="http://schemas.microsoft.com/office/drawing/2014/main" id="{0EC94D19-2FB9-4E0F-9427-97784133BAC1}"/>
               </a:ext>
             </a:extLst>
           </p:cNvPr>
@@ -3311,7 +3311,7 @@
           <p:cNvPr id="7" name="슬라이드 번호 개체 틀 5">
             <a:extLst>
               <a:ext uri="{FF2B5EF4-FFF2-40B4-BE49-F238E27FC236}">
-                <a16:creationId xmlns:a16="http://schemas.microsoft.com/office/drawing/2014/main" xmlns="" id="{A6317D39-B975-41AC-9769-FAE8E4513779}"/>
+                <a16:creationId xmlns="" xmlns:a16="http://schemas.microsoft.com/office/drawing/2014/main" id="{A6317D39-B975-41AC-9769-FAE8E4513779}"/>
               </a:ext>
             </a:extLst>
           </p:cNvPr>
@@ -3343,7 +3343,7 @@
     </p:spTree>
     <p:extLst>
       <p:ext uri="{BB962C8B-B14F-4D97-AF65-F5344CB8AC3E}">
-        <p14:creationId xmlns:p14="http://schemas.microsoft.com/office/powerpoint/2010/main" xmlns="" val="1213398695"/>
+        <p14:creationId xmlns="" xmlns:p14="http://schemas.microsoft.com/office/powerpoint/2010/main" val="1213398695"/>
       </p:ext>
     </p:extLst>
   </p:cSld>
@@ -3383,7 +3383,7 @@
           <p:cNvPr id="1026" name="제목 개체 틀 1">
             <a:extLst>
               <a:ext uri="{FF2B5EF4-FFF2-40B4-BE49-F238E27FC236}">
-                <a16:creationId xmlns:a16="http://schemas.microsoft.com/office/drawing/2014/main" xmlns="" id="{CF9157B7-9D5D-403D-A1BF-C06E182429B6}"/>
+                <a16:creationId xmlns="" xmlns:a16="http://schemas.microsoft.com/office/drawing/2014/main" id="{CF9157B7-9D5D-403D-A1BF-C06E182429B6}"/>
               </a:ext>
             </a:extLst>
           </p:cNvPr>
@@ -3408,14 +3408,14 @@
           </a:ln>
           <a:extLst>
             <a:ext uri="{909E8E84-426E-40DD-AFC4-6F175D3DCCD1}">
-              <a14:hiddenFill xmlns:a14="http://schemas.microsoft.com/office/drawing/2010/main" xmlns="">
+              <a14:hiddenFill xmlns="" xmlns:a14="http://schemas.microsoft.com/office/drawing/2010/main">
                 <a:solidFill>
                   <a:srgbClr val="FFFFFF"/>
                 </a:solidFill>
               </a14:hiddenFill>
             </a:ext>
             <a:ext uri="{91240B29-F687-4F45-9708-019B960494DF}">
-              <a14:hiddenLine xmlns:a14="http://schemas.microsoft.com/office/drawing/2010/main" xmlns="" w="9525">
+              <a14:hiddenLine xmlns="" xmlns:a14="http://schemas.microsoft.com/office/drawing/2010/main" w="9525">
                 <a:solidFill>
                   <a:srgbClr val="000000"/>
                 </a:solidFill>
@@ -3447,7 +3447,7 @@
           <p:cNvPr id="1027" name="텍스트 개체 틀 2">
             <a:extLst>
               <a:ext uri="{FF2B5EF4-FFF2-40B4-BE49-F238E27FC236}">
-                <a16:creationId xmlns:a16="http://schemas.microsoft.com/office/drawing/2014/main" xmlns="" id="{B04FC427-ABC6-4DD7-A383-5D232779C80A}"/>
+                <a16:creationId xmlns="" xmlns:a16="http://schemas.microsoft.com/office/drawing/2014/main" id="{B04FC427-ABC6-4DD7-A383-5D232779C80A}"/>
               </a:ext>
             </a:extLst>
           </p:cNvPr>
@@ -3472,14 +3472,14 @@
           </a:ln>
           <a:extLst>
             <a:ext uri="{909E8E84-426E-40DD-AFC4-6F175D3DCCD1}">
-              <a14:hiddenFill xmlns:a14="http://schemas.microsoft.com/office/drawing/2010/main" xmlns="">
+              <a14:hiddenFill xmlns="" xmlns:a14="http://schemas.microsoft.com/office/drawing/2010/main">
                 <a:solidFill>
                   <a:srgbClr val="FFFFFF"/>
                 </a:solidFill>
               </a14:hiddenFill>
             </a:ext>
             <a:ext uri="{91240B29-F687-4F45-9708-019B960494DF}">
-              <a14:hiddenLine xmlns:a14="http://schemas.microsoft.com/office/drawing/2010/main" xmlns="" w="9525">
+              <a14:hiddenLine xmlns="" xmlns:a14="http://schemas.microsoft.com/office/drawing/2010/main" w="9525">
                 <a:solidFill>
                   <a:srgbClr val="000000"/>
                 </a:solidFill>
@@ -3539,7 +3539,7 @@
           <p:cNvPr id="4" name="날짜 개체 틀 3">
             <a:extLst>
               <a:ext uri="{FF2B5EF4-FFF2-40B4-BE49-F238E27FC236}">
-                <a16:creationId xmlns:a16="http://schemas.microsoft.com/office/drawing/2014/main" xmlns="" id="{3064D9A6-F658-4843-80C9-DC3A3A636516}"/>
+                <a16:creationId xmlns="" xmlns:a16="http://schemas.microsoft.com/office/drawing/2014/main" id="{3064D9A6-F658-4843-80C9-DC3A3A636516}"/>
               </a:ext>
             </a:extLst>
           </p:cNvPr>
@@ -3601,7 +3601,7 @@
           <p:cNvPr id="5" name="바닥글 개체 틀 4">
             <a:extLst>
               <a:ext uri="{FF2B5EF4-FFF2-40B4-BE49-F238E27FC236}">
-                <a16:creationId xmlns:a16="http://schemas.microsoft.com/office/drawing/2014/main" xmlns="" id="{A2D51673-9A58-4F85-8D4B-78CA4E49BE0A}"/>
+                <a16:creationId xmlns="" xmlns:a16="http://schemas.microsoft.com/office/drawing/2014/main" id="{A2D51673-9A58-4F85-8D4B-78CA4E49BE0A}"/>
               </a:ext>
             </a:extLst>
           </p:cNvPr>
@@ -3656,7 +3656,7 @@
           <p:cNvPr id="6" name="슬라이드 번호 개체 틀 5">
             <a:extLst>
               <a:ext uri="{FF2B5EF4-FFF2-40B4-BE49-F238E27FC236}">
-                <a16:creationId xmlns:a16="http://schemas.microsoft.com/office/drawing/2014/main" xmlns="" id="{3632774D-7CFB-41B8-9199-C089A43321AA}"/>
+                <a16:creationId xmlns="" xmlns:a16="http://schemas.microsoft.com/office/drawing/2014/main" id="{3632774D-7CFB-41B8-9199-C089A43321AA}"/>
               </a:ext>
             </a:extLst>
           </p:cNvPr>
@@ -3709,7 +3709,7 @@
           <p:cNvPr id="7" name="TextBox 6">
             <a:extLst>
               <a:ext uri="{FF2B5EF4-FFF2-40B4-BE49-F238E27FC236}">
-                <a16:creationId xmlns:a16="http://schemas.microsoft.com/office/drawing/2014/main" xmlns="" id="{9CC1DEAC-55BA-4083-B090-711DF40B2949}"/>
+                <a16:creationId xmlns="" xmlns:a16="http://schemas.microsoft.com/office/drawing/2014/main" id="{9CC1DEAC-55BA-4083-B090-711DF40B2949}"/>
               </a:ext>
             </a:extLst>
           </p:cNvPr>
@@ -4251,7 +4251,7 @@
           <p:cNvPr id="2050" name="그림 2">
             <a:extLst>
               <a:ext uri="{FF2B5EF4-FFF2-40B4-BE49-F238E27FC236}">
-                <a16:creationId xmlns:a16="http://schemas.microsoft.com/office/drawing/2014/main" xmlns="" id="{BD29A930-929D-45F2-9CAB-3659B9744F51}"/>
+                <a16:creationId xmlns="" xmlns:a16="http://schemas.microsoft.com/office/drawing/2014/main" id="{BD29A930-929D-45F2-9CAB-3659B9744F51}"/>
               </a:ext>
             </a:extLst>
           </p:cNvPr>
@@ -4264,7 +4264,7 @@
           <a:blip r:embed="rId2">
             <a:extLst>
               <a:ext uri="{28A0092B-C50C-407E-A947-70E740481C1C}">
-                <a14:useLocalDpi xmlns:a14="http://schemas.microsoft.com/office/drawing/2010/main" xmlns="" val="0"/>
+                <a14:useLocalDpi xmlns="" xmlns:a14="http://schemas.microsoft.com/office/drawing/2010/main" val="0"/>
               </a:ext>
             </a:extLst>
           </a:blip>
@@ -4287,14 +4287,14 @@
           </a:ln>
           <a:extLst>
             <a:ext uri="{909E8E84-426E-40DD-AFC4-6F175D3DCCD1}">
-              <a14:hiddenFill xmlns:a14="http://schemas.microsoft.com/office/drawing/2010/main" xmlns="">
+              <a14:hiddenFill xmlns="" xmlns:a14="http://schemas.microsoft.com/office/drawing/2010/main">
                 <a:solidFill>
                   <a:srgbClr val="FFFFFF"/>
                 </a:solidFill>
               </a14:hiddenFill>
             </a:ext>
             <a:ext uri="{91240B29-F687-4F45-9708-019B960494DF}">
-              <a14:hiddenLine xmlns:a14="http://schemas.microsoft.com/office/drawing/2010/main" xmlns="" w="9525">
+              <a14:hiddenLine xmlns="" xmlns:a14="http://schemas.microsoft.com/office/drawing/2010/main" w="9525">
                 <a:solidFill>
                   <a:srgbClr val="000000"/>
                 </a:solidFill>
@@ -4311,7 +4311,7 @@
           <p:cNvPr id="2" name="직사각형 1">
             <a:extLst>
               <a:ext uri="{FF2B5EF4-FFF2-40B4-BE49-F238E27FC236}">
-                <a16:creationId xmlns:a16="http://schemas.microsoft.com/office/drawing/2014/main" xmlns="" id="{7BC58B05-62ED-421C-98B3-B2ED73D72C4F}"/>
+                <a16:creationId xmlns="" xmlns:a16="http://schemas.microsoft.com/office/drawing/2014/main" id="{7BC58B05-62ED-421C-98B3-B2ED73D72C4F}"/>
               </a:ext>
             </a:extLst>
           </p:cNvPr>
@@ -4375,7 +4375,7 @@
           <p:cNvPr id="2052" name="TextBox 3">
             <a:extLst>
               <a:ext uri="{FF2B5EF4-FFF2-40B4-BE49-F238E27FC236}">
-                <a16:creationId xmlns:a16="http://schemas.microsoft.com/office/drawing/2014/main" xmlns="" id="{FF6AFDD9-5359-4B4C-BEFE-EB927C93601A}"/>
+                <a16:creationId xmlns="" xmlns:a16="http://schemas.microsoft.com/office/drawing/2014/main" id="{FF6AFDD9-5359-4B4C-BEFE-EB927C93601A}"/>
               </a:ext>
             </a:extLst>
           </p:cNvPr>
@@ -4398,14 +4398,14 @@
           </a:ln>
           <a:extLst>
             <a:ext uri="{909E8E84-426E-40DD-AFC4-6F175D3DCCD1}">
-              <a14:hiddenFill xmlns:a14="http://schemas.microsoft.com/office/drawing/2010/main" xmlns="">
+              <a14:hiddenFill xmlns="" xmlns:a14="http://schemas.microsoft.com/office/drawing/2010/main">
                 <a:solidFill>
                   <a:srgbClr val="FFFFFF"/>
                 </a:solidFill>
               </a14:hiddenFill>
             </a:ext>
             <a:ext uri="{91240B29-F687-4F45-9708-019B960494DF}">
-              <a14:hiddenLine xmlns:a14="http://schemas.microsoft.com/office/drawing/2010/main" xmlns="" w="9525">
+              <a14:hiddenLine xmlns="" xmlns:a14="http://schemas.microsoft.com/office/drawing/2010/main" w="9525">
                 <a:solidFill>
                   <a:srgbClr val="000000"/>
                 </a:solidFill>
@@ -4548,7 +4548,7 @@
           <p:cNvPr id="7" name="직선 연결선 6">
             <a:extLst>
               <a:ext uri="{FF2B5EF4-FFF2-40B4-BE49-F238E27FC236}">
-                <a16:creationId xmlns:a16="http://schemas.microsoft.com/office/drawing/2014/main" xmlns="" id="{AFF6050A-DFDD-4F06-BC9C-C585EABA7622}"/>
+                <a16:creationId xmlns="" xmlns:a16="http://schemas.microsoft.com/office/drawing/2014/main" id="{AFF6050A-DFDD-4F06-BC9C-C585EABA7622}"/>
               </a:ext>
             </a:extLst>
           </p:cNvPr>
@@ -4589,7 +4589,7 @@
           <p:cNvPr id="9" name="TextBox 8">
             <a:extLst>
               <a:ext uri="{FF2B5EF4-FFF2-40B4-BE49-F238E27FC236}">
-                <a16:creationId xmlns:a16="http://schemas.microsoft.com/office/drawing/2014/main" xmlns="" id="{B0C72B84-75DF-475F-B381-4E5FB180F787}"/>
+                <a16:creationId xmlns="" xmlns:a16="http://schemas.microsoft.com/office/drawing/2014/main" id="{B0C72B84-75DF-475F-B381-4E5FB180F787}"/>
               </a:ext>
             </a:extLst>
           </p:cNvPr>
@@ -4646,7 +4646,7 @@
           <p:cNvPr id="2055" name="TextBox 7">
             <a:extLst>
               <a:ext uri="{FF2B5EF4-FFF2-40B4-BE49-F238E27FC236}">
-                <a16:creationId xmlns:a16="http://schemas.microsoft.com/office/drawing/2014/main" xmlns="" id="{29FFD440-D6DD-4249-9A52-398FAF5848C4}"/>
+                <a16:creationId xmlns="" xmlns:a16="http://schemas.microsoft.com/office/drawing/2014/main" id="{29FFD440-D6DD-4249-9A52-398FAF5848C4}"/>
               </a:ext>
             </a:extLst>
           </p:cNvPr>
@@ -4669,14 +4669,14 @@
           </a:ln>
           <a:extLst>
             <a:ext uri="{909E8E84-426E-40DD-AFC4-6F175D3DCCD1}">
-              <a14:hiddenFill xmlns:a14="http://schemas.microsoft.com/office/drawing/2010/main" xmlns="">
+              <a14:hiddenFill xmlns="" xmlns:a14="http://schemas.microsoft.com/office/drawing/2010/main">
                 <a:solidFill>
                   <a:srgbClr val="FFFFFF"/>
                 </a:solidFill>
               </a14:hiddenFill>
             </a:ext>
             <a:ext uri="{91240B29-F687-4F45-9708-019B960494DF}">
-              <a14:hiddenLine xmlns:a14="http://schemas.microsoft.com/office/drawing/2010/main" xmlns="" w="9525">
+              <a14:hiddenLine xmlns="" xmlns:a14="http://schemas.microsoft.com/office/drawing/2010/main" w="9525">
                 <a:solidFill>
                   <a:srgbClr val="000000"/>
                 </a:solidFill>
@@ -6439,7 +6439,7 @@
           <p:cNvPr id="9" name="직사각형 8">
             <a:extLst>
               <a:ext uri="{FF2B5EF4-FFF2-40B4-BE49-F238E27FC236}">
-                <a16:creationId xmlns:a16="http://schemas.microsoft.com/office/drawing/2014/main" xmlns="" id="{52C06290-92E4-47CC-9CC9-DB9CCC3277D4}"/>
+                <a16:creationId xmlns="" xmlns:a16="http://schemas.microsoft.com/office/drawing/2014/main" id="{52C06290-92E4-47CC-9CC9-DB9CCC3277D4}"/>
               </a:ext>
             </a:extLst>
           </p:cNvPr>
@@ -6501,7 +6501,7 @@
           <p:cNvPr id="2" name="직선 연결선 1">
             <a:extLst>
               <a:ext uri="{FF2B5EF4-FFF2-40B4-BE49-F238E27FC236}">
-                <a16:creationId xmlns:a16="http://schemas.microsoft.com/office/drawing/2014/main" xmlns="" id="{3BB1799E-5391-4610-94E3-C4A3F0465DAD}"/>
+                <a16:creationId xmlns="" xmlns:a16="http://schemas.microsoft.com/office/drawing/2014/main" id="{3BB1799E-5391-4610-94E3-C4A3F0465DAD}"/>
               </a:ext>
             </a:extLst>
           </p:cNvPr>
@@ -6542,7 +6542,7 @@
           <p:cNvPr id="4" name="TextBox 3">
             <a:extLst>
               <a:ext uri="{FF2B5EF4-FFF2-40B4-BE49-F238E27FC236}">
-                <a16:creationId xmlns:a16="http://schemas.microsoft.com/office/drawing/2014/main" xmlns="" id="{2D3F434A-EE07-4CDA-B1CC-066BAF1F8757}"/>
+                <a16:creationId xmlns="" xmlns:a16="http://schemas.microsoft.com/office/drawing/2014/main" id="{2D3F434A-EE07-4CDA-B1CC-066BAF1F8757}"/>
               </a:ext>
             </a:extLst>
           </p:cNvPr>
@@ -6635,7 +6635,7 @@
           <p:cNvPr id="11" name="Picture 3" descr="C:\Users\cailab\Desktop\rlyh.PNG">
             <a:extLst>
               <a:ext uri="{FF2B5EF4-FFF2-40B4-BE49-F238E27FC236}">
-                <a16:creationId xmlns:a16="http://schemas.microsoft.com/office/drawing/2014/main" xmlns="" id="{815F0420-5F50-498D-B6D0-5DED3C5D6A92}"/>
+                <a16:creationId xmlns="" xmlns:a16="http://schemas.microsoft.com/office/drawing/2014/main" id="{815F0420-5F50-498D-B6D0-5DED3C5D6A92}"/>
               </a:ext>
             </a:extLst>
           </p:cNvPr>
@@ -6667,7 +6667,7 @@
           <p:cNvPr id="13" name="그룹 12">
             <a:extLst>
               <a:ext uri="{FF2B5EF4-FFF2-40B4-BE49-F238E27FC236}">
-                <a16:creationId xmlns:a16="http://schemas.microsoft.com/office/drawing/2014/main" xmlns="" id="{99A7C10C-3AB0-42EB-A6ED-0447152A8923}"/>
+                <a16:creationId xmlns="" xmlns:a16="http://schemas.microsoft.com/office/drawing/2014/main" id="{99A7C10C-3AB0-42EB-A6ED-0447152A8923}"/>
               </a:ext>
             </a:extLst>
           </p:cNvPr>
@@ -6687,7 +6687,7 @@
             <p:cNvPr id="12" name="Picture 2" descr="C:\Users\cailab\Desktop\chhgt.PNG">
               <a:extLst>
                 <a:ext uri="{FF2B5EF4-FFF2-40B4-BE49-F238E27FC236}">
-                  <a16:creationId xmlns:a16="http://schemas.microsoft.com/office/drawing/2014/main" xmlns="" id="{68BBEBDA-60E3-4215-A6FE-56DD7EB395F9}"/>
+                  <a16:creationId xmlns="" xmlns:a16="http://schemas.microsoft.com/office/drawing/2014/main" id="{68BBEBDA-60E3-4215-A6FE-56DD7EB395F9}"/>
                 </a:ext>
               </a:extLst>
             </p:cNvPr>
@@ -6719,7 +6719,7 @@
             <p:cNvPr id="3" name="직사각형 2">
               <a:extLst>
                 <a:ext uri="{FF2B5EF4-FFF2-40B4-BE49-F238E27FC236}">
-                  <a16:creationId xmlns:a16="http://schemas.microsoft.com/office/drawing/2014/main" xmlns="" id="{D7C6387A-76BC-4CAE-88DB-44B2507D3E7C}"/>
+                  <a16:creationId xmlns="" xmlns:a16="http://schemas.microsoft.com/office/drawing/2014/main" id="{D7C6387A-76BC-4CAE-88DB-44B2507D3E7C}"/>
                 </a:ext>
               </a:extLst>
             </p:cNvPr>
@@ -6774,7 +6774,7 @@
           <p:cNvPr id="5" name="TextBox 4">
             <a:extLst>
               <a:ext uri="{FF2B5EF4-FFF2-40B4-BE49-F238E27FC236}">
-                <a16:creationId xmlns:a16="http://schemas.microsoft.com/office/drawing/2014/main" xmlns="" id="{DCF2AEA3-BFF5-4F86-9918-CA9AEFCC2BB3}"/>
+                <a16:creationId xmlns="" xmlns:a16="http://schemas.microsoft.com/office/drawing/2014/main" id="{DCF2AEA3-BFF5-4F86-9918-CA9AEFCC2BB3}"/>
               </a:ext>
             </a:extLst>
           </p:cNvPr>
@@ -6795,14 +6795,14 @@
           </a:ln>
           <a:extLst>
             <a:ext uri="{909E8E84-426E-40DD-AFC4-6F175D3DCCD1}">
-              <a14:hiddenFill xmlns:a14="http://schemas.microsoft.com/office/drawing/2010/main" xmlns="">
+              <a14:hiddenFill xmlns="" xmlns:a14="http://schemas.microsoft.com/office/drawing/2010/main">
                 <a:solidFill>
                   <a:srgbClr val="FFFFFF"/>
                 </a:solidFill>
               </a14:hiddenFill>
             </a:ext>
             <a:ext uri="{91240B29-F687-4F45-9708-019B960494DF}">
-              <a14:hiddenLine xmlns:a14="http://schemas.microsoft.com/office/drawing/2010/main" xmlns="" w="25400">
+              <a14:hiddenLine xmlns="" xmlns:a14="http://schemas.microsoft.com/office/drawing/2010/main" w="25400">
                 <a:solidFill>
                   <a:srgbClr val="000000"/>
                 </a:solidFill>
@@ -6942,7 +6942,7 @@
           <p:cNvPr id="14" name="직선 화살표 연결선 13">
             <a:extLst>
               <a:ext uri="{FF2B5EF4-FFF2-40B4-BE49-F238E27FC236}">
-                <a16:creationId xmlns:a16="http://schemas.microsoft.com/office/drawing/2014/main" xmlns="" id="{A7278964-DC83-4EA9-9AAD-FEA448BEEEB9}"/>
+                <a16:creationId xmlns="" xmlns:a16="http://schemas.microsoft.com/office/drawing/2014/main" id="{A7278964-DC83-4EA9-9AAD-FEA448BEEEB9}"/>
               </a:ext>
             </a:extLst>
           </p:cNvPr>
@@ -6986,7 +6986,7 @@
           <p:cNvPr id="16" name="그림 15">
             <a:extLst>
               <a:ext uri="{FF2B5EF4-FFF2-40B4-BE49-F238E27FC236}">
-                <a16:creationId xmlns:a16="http://schemas.microsoft.com/office/drawing/2014/main" xmlns="" id="{1FE66480-B5D1-4442-9C62-3583FD4E2C43}"/>
+                <a16:creationId xmlns="" xmlns:a16="http://schemas.microsoft.com/office/drawing/2014/main" id="{1FE66480-B5D1-4442-9C62-3583FD4E2C43}"/>
               </a:ext>
             </a:extLst>
           </p:cNvPr>
@@ -7016,7 +7016,7 @@
           <p:cNvPr id="18" name="직선 연결선 17">
             <a:extLst>
               <a:ext uri="{FF2B5EF4-FFF2-40B4-BE49-F238E27FC236}">
-                <a16:creationId xmlns:a16="http://schemas.microsoft.com/office/drawing/2014/main" xmlns="" id="{534B6B94-F571-49FD-BD33-7D46728D1D57}"/>
+                <a16:creationId xmlns="" xmlns:a16="http://schemas.microsoft.com/office/drawing/2014/main" id="{534B6B94-F571-49FD-BD33-7D46728D1D57}"/>
               </a:ext>
             </a:extLst>
           </p:cNvPr>
@@ -7059,7 +7059,7 @@
           <p:cNvPr id="7" name="TextBox 6">
             <a:extLst>
               <a:ext uri="{FF2B5EF4-FFF2-40B4-BE49-F238E27FC236}">
-                <a16:creationId xmlns:a16="http://schemas.microsoft.com/office/drawing/2014/main" xmlns="" id="{65B1152C-D451-4824-B353-CBC750550EEC}"/>
+                <a16:creationId xmlns="" xmlns:a16="http://schemas.microsoft.com/office/drawing/2014/main" id="{65B1152C-D451-4824-B353-CBC750550EEC}"/>
               </a:ext>
             </a:extLst>
           </p:cNvPr>
@@ -7117,7 +7117,7 @@
     </p:spTree>
     <p:extLst>
       <p:ext uri="{BB962C8B-B14F-4D97-AF65-F5344CB8AC3E}">
-        <p14:creationId xmlns:p14="http://schemas.microsoft.com/office/powerpoint/2010/main" xmlns="" val="1898571201"/>
+        <p14:creationId xmlns="" xmlns:p14="http://schemas.microsoft.com/office/powerpoint/2010/main" val="1898571201"/>
       </p:ext>
     </p:extLst>
   </p:cSld>
@@ -7150,7 +7150,7 @@
           <p:cNvPr id="9" name="직사각형 8">
             <a:extLst>
               <a:ext uri="{FF2B5EF4-FFF2-40B4-BE49-F238E27FC236}">
-                <a16:creationId xmlns:a16="http://schemas.microsoft.com/office/drawing/2014/main" xmlns="" id="{52C06290-92E4-47CC-9CC9-DB9CCC3277D4}"/>
+                <a16:creationId xmlns="" xmlns:a16="http://schemas.microsoft.com/office/drawing/2014/main" id="{52C06290-92E4-47CC-9CC9-DB9CCC3277D4}"/>
               </a:ext>
             </a:extLst>
           </p:cNvPr>
@@ -7212,7 +7212,7 @@
           <p:cNvPr id="2" name="직선 연결선 1">
             <a:extLst>
               <a:ext uri="{FF2B5EF4-FFF2-40B4-BE49-F238E27FC236}">
-                <a16:creationId xmlns:a16="http://schemas.microsoft.com/office/drawing/2014/main" xmlns="" id="{3BB1799E-5391-4610-94E3-C4A3F0465DAD}"/>
+                <a16:creationId xmlns="" xmlns:a16="http://schemas.microsoft.com/office/drawing/2014/main" id="{3BB1799E-5391-4610-94E3-C4A3F0465DAD}"/>
               </a:ext>
             </a:extLst>
           </p:cNvPr>
@@ -7253,7 +7253,7 @@
           <p:cNvPr id="4" name="TextBox 3">
             <a:extLst>
               <a:ext uri="{FF2B5EF4-FFF2-40B4-BE49-F238E27FC236}">
-                <a16:creationId xmlns:a16="http://schemas.microsoft.com/office/drawing/2014/main" xmlns="" id="{2D3F434A-EE07-4CDA-B1CC-066BAF1F8757}"/>
+                <a16:creationId xmlns="" xmlns:a16="http://schemas.microsoft.com/office/drawing/2014/main" id="{2D3F434A-EE07-4CDA-B1CC-066BAF1F8757}"/>
               </a:ext>
             </a:extLst>
           </p:cNvPr>
@@ -7518,7 +7518,7 @@
           <p:cNvPr id="19" name="그룹 18">
             <a:extLst>
               <a:ext uri="{FF2B5EF4-FFF2-40B4-BE49-F238E27FC236}">
-                <a16:creationId xmlns:a16="http://schemas.microsoft.com/office/drawing/2014/main" xmlns="" id="{6952473B-CB9A-4B97-90A8-E359B338A630}"/>
+                <a16:creationId xmlns="" xmlns:a16="http://schemas.microsoft.com/office/drawing/2014/main" id="{6952473B-CB9A-4B97-90A8-E359B338A630}"/>
               </a:ext>
             </a:extLst>
           </p:cNvPr>
@@ -7538,7 +7538,7 @@
             <p:cNvPr id="14" name="그림 13">
               <a:extLst>
                 <a:ext uri="{FF2B5EF4-FFF2-40B4-BE49-F238E27FC236}">
-                  <a16:creationId xmlns:a16="http://schemas.microsoft.com/office/drawing/2014/main" xmlns="" id="{9BAF8A58-461A-4AAB-908F-9D1C8ACFC45F}"/>
+                  <a16:creationId xmlns="" xmlns:a16="http://schemas.microsoft.com/office/drawing/2014/main" id="{9BAF8A58-461A-4AAB-908F-9D1C8ACFC45F}"/>
                 </a:ext>
               </a:extLst>
             </p:cNvPr>
@@ -7568,7 +7568,7 @@
             <p:cNvPr id="16" name="직선 연결선 15">
               <a:extLst>
                 <a:ext uri="{FF2B5EF4-FFF2-40B4-BE49-F238E27FC236}">
-                  <a16:creationId xmlns:a16="http://schemas.microsoft.com/office/drawing/2014/main" xmlns="" id="{F5B1564F-AFC0-4D29-8A7E-6607150BB4EA}"/>
+                  <a16:creationId xmlns="" xmlns:a16="http://schemas.microsoft.com/office/drawing/2014/main" id="{F5B1564F-AFC0-4D29-8A7E-6607150BB4EA}"/>
                 </a:ext>
               </a:extLst>
             </p:cNvPr>
@@ -7606,7 +7606,7 @@
             <p:cNvPr id="18" name="직선 연결선 17">
               <a:extLst>
                 <a:ext uri="{FF2B5EF4-FFF2-40B4-BE49-F238E27FC236}">
-                  <a16:creationId xmlns:a16="http://schemas.microsoft.com/office/drawing/2014/main" xmlns="" id="{68C0E24B-9BD9-4F12-802F-CF995C5B8D60}"/>
+                  <a16:creationId xmlns="" xmlns:a16="http://schemas.microsoft.com/office/drawing/2014/main" id="{68C0E24B-9BD9-4F12-802F-CF995C5B8D60}"/>
                 </a:ext>
               </a:extLst>
             </p:cNvPr>
@@ -7645,7 +7645,7 @@
           <p:cNvPr id="3" name="TextBox 2">
             <a:extLst>
               <a:ext uri="{FF2B5EF4-FFF2-40B4-BE49-F238E27FC236}">
-                <a16:creationId xmlns:a16="http://schemas.microsoft.com/office/drawing/2014/main" xmlns="" id="{853833C6-B86C-4F04-A255-24FA6FDF0939}"/>
+                <a16:creationId xmlns="" xmlns:a16="http://schemas.microsoft.com/office/drawing/2014/main" id="{853833C6-B86C-4F04-A255-24FA6FDF0939}"/>
               </a:ext>
             </a:extLst>
           </p:cNvPr>
@@ -7666,14 +7666,14 @@
           </a:ln>
           <a:extLst>
             <a:ext uri="{909E8E84-426E-40DD-AFC4-6F175D3DCCD1}">
-              <a14:hiddenFill xmlns:a14="http://schemas.microsoft.com/office/drawing/2010/main" xmlns="">
+              <a14:hiddenFill xmlns="" xmlns:a14="http://schemas.microsoft.com/office/drawing/2010/main">
                 <a:solidFill>
                   <a:srgbClr val="FFFFFF"/>
                 </a:solidFill>
               </a14:hiddenFill>
             </a:ext>
             <a:ext uri="{91240B29-F687-4F45-9708-019B960494DF}">
-              <a14:hiddenLine xmlns:a14="http://schemas.microsoft.com/office/drawing/2010/main" xmlns="" w="25400">
+              <a14:hiddenLine xmlns="" xmlns:a14="http://schemas.microsoft.com/office/drawing/2010/main" w="25400">
                 <a:solidFill>
                   <a:srgbClr val="000000"/>
                 </a:solidFill>
@@ -7710,7 +7710,7 @@
           <p:cNvPr id="12" name="TextBox 11">
             <a:extLst>
               <a:ext uri="{FF2B5EF4-FFF2-40B4-BE49-F238E27FC236}">
-                <a16:creationId xmlns:a16="http://schemas.microsoft.com/office/drawing/2014/main" xmlns="" id="{E215B233-C072-4DFF-A4B3-99E0F1A59364}"/>
+                <a16:creationId xmlns="" xmlns:a16="http://schemas.microsoft.com/office/drawing/2014/main" id="{E215B233-C072-4DFF-A4B3-99E0F1A59364}"/>
               </a:ext>
             </a:extLst>
           </p:cNvPr>
@@ -7768,7 +7768,7 @@
     </p:spTree>
     <p:extLst>
       <p:ext uri="{BB962C8B-B14F-4D97-AF65-F5344CB8AC3E}">
-        <p14:creationId xmlns:p14="http://schemas.microsoft.com/office/powerpoint/2010/main" xmlns="" val="1997965781"/>
+        <p14:creationId xmlns="" xmlns:p14="http://schemas.microsoft.com/office/powerpoint/2010/main" val="1997965781"/>
       </p:ext>
     </p:extLst>
   </p:cSld>
@@ -7801,7 +7801,7 @@
           <p:cNvPr id="9" name="직사각형 8">
             <a:extLst>
               <a:ext uri="{FF2B5EF4-FFF2-40B4-BE49-F238E27FC236}">
-                <a16:creationId xmlns:a16="http://schemas.microsoft.com/office/drawing/2014/main" xmlns="" id="{52C06290-92E4-47CC-9CC9-DB9CCC3277D4}"/>
+                <a16:creationId xmlns="" xmlns:a16="http://schemas.microsoft.com/office/drawing/2014/main" id="{52C06290-92E4-47CC-9CC9-DB9CCC3277D4}"/>
               </a:ext>
             </a:extLst>
           </p:cNvPr>
@@ -7863,7 +7863,7 @@
           <p:cNvPr id="2" name="직선 연결선 1">
             <a:extLst>
               <a:ext uri="{FF2B5EF4-FFF2-40B4-BE49-F238E27FC236}">
-                <a16:creationId xmlns:a16="http://schemas.microsoft.com/office/drawing/2014/main" xmlns="" id="{3BB1799E-5391-4610-94E3-C4A3F0465DAD}"/>
+                <a16:creationId xmlns="" xmlns:a16="http://schemas.microsoft.com/office/drawing/2014/main" id="{3BB1799E-5391-4610-94E3-C4A3F0465DAD}"/>
               </a:ext>
             </a:extLst>
           </p:cNvPr>
@@ -7904,7 +7904,7 @@
           <p:cNvPr id="4" name="TextBox 3">
             <a:extLst>
               <a:ext uri="{FF2B5EF4-FFF2-40B4-BE49-F238E27FC236}">
-                <a16:creationId xmlns:a16="http://schemas.microsoft.com/office/drawing/2014/main" xmlns="" id="{2D3F434A-EE07-4CDA-B1CC-066BAF1F8757}"/>
+                <a16:creationId xmlns="" xmlns:a16="http://schemas.microsoft.com/office/drawing/2014/main" id="{2D3F434A-EE07-4CDA-B1CC-066BAF1F8757}"/>
               </a:ext>
             </a:extLst>
           </p:cNvPr>
@@ -7961,7 +7961,7 @@
           <p:cNvPr id="19" name="그룹 18">
             <a:extLst>
               <a:ext uri="{FF2B5EF4-FFF2-40B4-BE49-F238E27FC236}">
-                <a16:creationId xmlns:a16="http://schemas.microsoft.com/office/drawing/2014/main" xmlns="" id="{D1A06C11-F26A-41AD-81AA-78CCE86DBE7E}"/>
+                <a16:creationId xmlns="" xmlns:a16="http://schemas.microsoft.com/office/drawing/2014/main" id="{D1A06C11-F26A-41AD-81AA-78CCE86DBE7E}"/>
               </a:ext>
             </a:extLst>
           </p:cNvPr>
@@ -7981,7 +7981,7 @@
             <p:cNvPr id="15" name="그룹 14">
               <a:extLst>
                 <a:ext uri="{FF2B5EF4-FFF2-40B4-BE49-F238E27FC236}">
-                  <a16:creationId xmlns:a16="http://schemas.microsoft.com/office/drawing/2014/main" xmlns="" id="{82C1AE68-CFF9-49BA-8504-29F46FDF5037}"/>
+                  <a16:creationId xmlns="" xmlns:a16="http://schemas.microsoft.com/office/drawing/2014/main" id="{82C1AE68-CFF9-49BA-8504-29F46FDF5037}"/>
                 </a:ext>
               </a:extLst>
             </p:cNvPr>
@@ -8001,7 +8001,7 @@
               <p:cNvPr id="10" name="그룹 9">
                 <a:extLst>
                   <a:ext uri="{FF2B5EF4-FFF2-40B4-BE49-F238E27FC236}">
-                    <a16:creationId xmlns:a16="http://schemas.microsoft.com/office/drawing/2014/main" xmlns="" id="{0C81254C-B1CA-4511-8AF6-FBE7B0477F24}"/>
+                    <a16:creationId xmlns="" xmlns:a16="http://schemas.microsoft.com/office/drawing/2014/main" id="{0C81254C-B1CA-4511-8AF6-FBE7B0477F24}"/>
                   </a:ext>
                 </a:extLst>
               </p:cNvPr>
@@ -8021,7 +8021,7 @@
                 <p:cNvPr id="3" name="직사각형 2">
                   <a:extLst>
                     <a:ext uri="{FF2B5EF4-FFF2-40B4-BE49-F238E27FC236}">
-                      <a16:creationId xmlns:a16="http://schemas.microsoft.com/office/drawing/2014/main" xmlns="" id="{DD4C14A9-6E12-480F-83BC-F575126CA6DF}"/>
+                      <a16:creationId xmlns="" xmlns:a16="http://schemas.microsoft.com/office/drawing/2014/main" id="{DD4C14A9-6E12-480F-83BC-F575126CA6DF}"/>
                     </a:ext>
                   </a:extLst>
                 </p:cNvPr>
@@ -8075,7 +8075,7 @@
                 <p:cNvPr id="5" name="TextBox 4">
                   <a:extLst>
                     <a:ext uri="{FF2B5EF4-FFF2-40B4-BE49-F238E27FC236}">
-                      <a16:creationId xmlns:a16="http://schemas.microsoft.com/office/drawing/2014/main" xmlns="" id="{AD93C4D5-28C9-4DFE-BE62-E1CF4BA37B3D}"/>
+                      <a16:creationId xmlns="" xmlns:a16="http://schemas.microsoft.com/office/drawing/2014/main" id="{AD93C4D5-28C9-4DFE-BE62-E1CF4BA37B3D}"/>
                     </a:ext>
                   </a:extLst>
                 </p:cNvPr>
@@ -8128,7 +8128,7 @@
               <p:cNvPr id="13" name="TextBox 12">
                 <a:extLst>
                   <a:ext uri="{FF2B5EF4-FFF2-40B4-BE49-F238E27FC236}">
-                    <a16:creationId xmlns:a16="http://schemas.microsoft.com/office/drawing/2014/main" xmlns="" id="{D821045F-7E3D-4B90-B971-1C81C676D142}"/>
+                    <a16:creationId xmlns="" xmlns:a16="http://schemas.microsoft.com/office/drawing/2014/main" id="{D821045F-7E3D-4B90-B971-1C81C676D142}"/>
                   </a:ext>
                 </a:extLst>
               </p:cNvPr>
@@ -8149,14 +8149,14 @@
               </a:ln>
               <a:extLst>
                 <a:ext uri="{909E8E84-426E-40DD-AFC4-6F175D3DCCD1}">
-                  <a14:hiddenFill xmlns:a14="http://schemas.microsoft.com/office/drawing/2010/main" xmlns="">
+                  <a14:hiddenFill xmlns="" xmlns:a14="http://schemas.microsoft.com/office/drawing/2010/main">
                     <a:solidFill>
                       <a:srgbClr val="FFFFFF"/>
                     </a:solidFill>
                   </a14:hiddenFill>
                 </a:ext>
                 <a:ext uri="{91240B29-F687-4F45-9708-019B960494DF}">
-                  <a14:hiddenLine xmlns:a14="http://schemas.microsoft.com/office/drawing/2010/main" xmlns="" w="25400">
+                  <a14:hiddenLine xmlns="" xmlns:a14="http://schemas.microsoft.com/office/drawing/2010/main" w="25400">
                     <a:solidFill>
                       <a:srgbClr val="000000"/>
                     </a:solidFill>
@@ -8220,7 +8220,7 @@
             <p:cNvPr id="16" name="그룹 15">
               <a:extLst>
                 <a:ext uri="{FF2B5EF4-FFF2-40B4-BE49-F238E27FC236}">
-                  <a16:creationId xmlns:a16="http://schemas.microsoft.com/office/drawing/2014/main" xmlns="" id="{9B2632F0-C9E2-4A2A-9BC7-E2DE853DE633}"/>
+                  <a16:creationId xmlns="" xmlns:a16="http://schemas.microsoft.com/office/drawing/2014/main" id="{9B2632F0-C9E2-4A2A-9BC7-E2DE853DE633}"/>
                 </a:ext>
               </a:extLst>
             </p:cNvPr>
@@ -8240,7 +8240,7 @@
               <p:cNvPr id="12" name="그룹 11">
                 <a:extLst>
                   <a:ext uri="{FF2B5EF4-FFF2-40B4-BE49-F238E27FC236}">
-                    <a16:creationId xmlns:a16="http://schemas.microsoft.com/office/drawing/2014/main" xmlns="" id="{8507E2A4-58FC-4B8C-A937-E215FD2FA5E2}"/>
+                    <a16:creationId xmlns="" xmlns:a16="http://schemas.microsoft.com/office/drawing/2014/main" id="{8507E2A4-58FC-4B8C-A937-E215FD2FA5E2}"/>
                   </a:ext>
                 </a:extLst>
               </p:cNvPr>
@@ -8260,7 +8260,7 @@
                 <p:cNvPr id="8" name="직사각형 7">
                   <a:extLst>
                     <a:ext uri="{FF2B5EF4-FFF2-40B4-BE49-F238E27FC236}">
-                      <a16:creationId xmlns:a16="http://schemas.microsoft.com/office/drawing/2014/main" xmlns="" id="{CBA8F2B6-5FAD-4535-B147-D12863E946FB}"/>
+                      <a16:creationId xmlns="" xmlns:a16="http://schemas.microsoft.com/office/drawing/2014/main" id="{CBA8F2B6-5FAD-4535-B147-D12863E946FB}"/>
                     </a:ext>
                   </a:extLst>
                 </p:cNvPr>
@@ -8314,7 +8314,7 @@
                 <p:cNvPr id="7" name="TextBox 6">
                   <a:extLst>
                     <a:ext uri="{FF2B5EF4-FFF2-40B4-BE49-F238E27FC236}">
-                      <a16:creationId xmlns:a16="http://schemas.microsoft.com/office/drawing/2014/main" xmlns="" id="{6591DF80-95AE-4EC2-9D9E-F57EF110FACA}"/>
+                      <a16:creationId xmlns="" xmlns:a16="http://schemas.microsoft.com/office/drawing/2014/main" id="{6591DF80-95AE-4EC2-9D9E-F57EF110FACA}"/>
                     </a:ext>
                   </a:extLst>
                 </p:cNvPr>
@@ -8367,7 +8367,7 @@
               <p:cNvPr id="14" name="TextBox 13">
                 <a:extLst>
                   <a:ext uri="{FF2B5EF4-FFF2-40B4-BE49-F238E27FC236}">
-                    <a16:creationId xmlns:a16="http://schemas.microsoft.com/office/drawing/2014/main" xmlns="" id="{8CF5A3CB-47D8-4824-B1E9-6288DEEEBEDF}"/>
+                    <a16:creationId xmlns="" xmlns:a16="http://schemas.microsoft.com/office/drawing/2014/main" id="{8CF5A3CB-47D8-4824-B1E9-6288DEEEBEDF}"/>
                   </a:ext>
                 </a:extLst>
               </p:cNvPr>
@@ -8388,14 +8388,14 @@
               </a:ln>
               <a:extLst>
                 <a:ext uri="{909E8E84-426E-40DD-AFC4-6F175D3DCCD1}">
-                  <a14:hiddenFill xmlns:a14="http://schemas.microsoft.com/office/drawing/2010/main" xmlns="">
+                  <a14:hiddenFill xmlns="" xmlns:a14="http://schemas.microsoft.com/office/drawing/2010/main">
                     <a:solidFill>
                       <a:srgbClr val="FFFFFF"/>
                     </a:solidFill>
                   </a14:hiddenFill>
                 </a:ext>
                 <a:ext uri="{91240B29-F687-4F45-9708-019B960494DF}">
-                  <a14:hiddenLine xmlns:a14="http://schemas.microsoft.com/office/drawing/2010/main" xmlns="" w="25400">
+                  <a14:hiddenLine xmlns="" xmlns:a14="http://schemas.microsoft.com/office/drawing/2010/main" w="25400">
                     <a:solidFill>
                       <a:srgbClr val="000000"/>
                     </a:solidFill>
@@ -8500,7 +8500,7 @@
             <p:cNvPr id="17" name="직사각형 16">
               <a:extLst>
                 <a:ext uri="{FF2B5EF4-FFF2-40B4-BE49-F238E27FC236}">
-                  <a16:creationId xmlns:a16="http://schemas.microsoft.com/office/drawing/2014/main" xmlns="" id="{04374394-DFD4-4257-B6F7-3F71DE610E39}"/>
+                  <a16:creationId xmlns="" xmlns:a16="http://schemas.microsoft.com/office/drawing/2014/main" id="{04374394-DFD4-4257-B6F7-3F71DE610E39}"/>
                 </a:ext>
               </a:extLst>
             </p:cNvPr>
@@ -8554,7 +8554,7 @@
             <p:cNvPr id="18" name="TextBox 17">
               <a:extLst>
                 <a:ext uri="{FF2B5EF4-FFF2-40B4-BE49-F238E27FC236}">
-                  <a16:creationId xmlns:a16="http://schemas.microsoft.com/office/drawing/2014/main" xmlns="" id="{090F9931-F1D2-4762-9C95-9F1752AB98AE}"/>
+                  <a16:creationId xmlns="" xmlns:a16="http://schemas.microsoft.com/office/drawing/2014/main" id="{090F9931-F1D2-4762-9C95-9F1752AB98AE}"/>
                 </a:ext>
               </a:extLst>
             </p:cNvPr>
@@ -8607,7 +8607,7 @@
           <p:cNvPr id="21" name="그룹 20">
             <a:extLst>
               <a:ext uri="{FF2B5EF4-FFF2-40B4-BE49-F238E27FC236}">
-                <a16:creationId xmlns:a16="http://schemas.microsoft.com/office/drawing/2014/main" xmlns="" id="{AD593C05-2A78-4C22-A56F-80FD31742DD9}"/>
+                <a16:creationId xmlns="" xmlns:a16="http://schemas.microsoft.com/office/drawing/2014/main" id="{AD593C05-2A78-4C22-A56F-80FD31742DD9}"/>
               </a:ext>
             </a:extLst>
           </p:cNvPr>
@@ -8627,7 +8627,7 @@
             <p:cNvPr id="11" name="그림 10">
               <a:extLst>
                 <a:ext uri="{FF2B5EF4-FFF2-40B4-BE49-F238E27FC236}">
-                  <a16:creationId xmlns:a16="http://schemas.microsoft.com/office/drawing/2014/main" xmlns="" id="{A80205BD-51C8-4414-881D-E83AAFF4B371}"/>
+                  <a16:creationId xmlns="" xmlns:a16="http://schemas.microsoft.com/office/drawing/2014/main" id="{A80205BD-51C8-4414-881D-E83AAFF4B371}"/>
                 </a:ext>
               </a:extLst>
             </p:cNvPr>
@@ -8657,7 +8657,7 @@
             <p:cNvPr id="20" name="TextBox 19">
               <a:extLst>
                 <a:ext uri="{FF2B5EF4-FFF2-40B4-BE49-F238E27FC236}">
-                  <a16:creationId xmlns:a16="http://schemas.microsoft.com/office/drawing/2014/main" xmlns="" id="{BA696F84-3B57-413D-8A50-020F2C8F09E9}"/>
+                  <a16:creationId xmlns="" xmlns:a16="http://schemas.microsoft.com/office/drawing/2014/main" id="{BA696F84-3B57-413D-8A50-020F2C8F09E9}"/>
                 </a:ext>
               </a:extLst>
             </p:cNvPr>
@@ -8706,7 +8706,7 @@
           <p:cNvPr id="22" name="TextBox 21">
             <a:extLst>
               <a:ext uri="{FF2B5EF4-FFF2-40B4-BE49-F238E27FC236}">
-                <a16:creationId xmlns:a16="http://schemas.microsoft.com/office/drawing/2014/main" xmlns="" id="{6F3B3EAB-F5DE-4EE6-A9A1-9C226AD6C644}"/>
+                <a16:creationId xmlns="" xmlns:a16="http://schemas.microsoft.com/office/drawing/2014/main" id="{6F3B3EAB-F5DE-4EE6-A9A1-9C226AD6C644}"/>
               </a:ext>
             </a:extLst>
           </p:cNvPr>
@@ -8764,7 +8764,7 @@
     </p:spTree>
     <p:extLst>
       <p:ext uri="{BB962C8B-B14F-4D97-AF65-F5344CB8AC3E}">
-        <p14:creationId xmlns:p14="http://schemas.microsoft.com/office/powerpoint/2010/main" xmlns="" val="90024953"/>
+        <p14:creationId xmlns="" xmlns:p14="http://schemas.microsoft.com/office/powerpoint/2010/main" val="90024953"/>
       </p:ext>
     </p:extLst>
   </p:cSld>
@@ -10282,7 +10282,7 @@
   <a:extraClrSchemeLst/>
   <a:extLst>
     <a:ext uri="{05A4C25C-085E-4340-85A3-A5531E510DB2}">
-      <thm15:themeFamily xmlns:thm15="http://schemas.microsoft.com/office/thememl/2012/main" xmlns="" name="Office Theme" id="{62F939B6-93AF-4DB8-9C6B-D6C7DFDC589F}" vid="{4A3C46E8-61CC-4603-A589-7422A47A8E4A}"/>
+      <thm15:themeFamily xmlns="" xmlns:thm15="http://schemas.microsoft.com/office/thememl/2012/main" name="Office Theme" id="{62F939B6-93AF-4DB8-9C6B-D6C7DFDC589F}" vid="{4A3C46E8-61CC-4603-A589-7422A47A8E4A}"/>
     </a:ext>
   </a:extLst>
 </a:theme>
